--- a/Employee_Data_Analysis_VARSHAN V.pptx
+++ b/Employee_Data_Analysis_VARSHAN V.pptx
@@ -655,7 +655,7 @@
           <a:p>
             <a:fld id="{84B86612-B127-4CD0-BF15-66D49A7175F7}" type="datetimeFigureOut">
               <a:rPr lang="en-IN" smtClean="0"/>
-              <a:t>10-09-2024</a:t>
+              <a:t>12-09-2024</a:t>
             </a:fld>
             <a:endParaRPr lang="en-IN"/>
           </a:p>
@@ -1729,7 +1729,7 @@
           <a:p>
             <a:fld id="{1D8BD707-D9CF-40AE-B4C6-C98DA3205C09}" type="datetimeFigureOut">
               <a:rPr lang="en-US" smtClean="0"/>
-              <a:t>10-Sep-24</a:t>
+              <a:t>12-Sep-24</a:t>
             </a:fld>
             <a:endParaRPr lang="en-US"/>
           </a:p>
@@ -1988,7 +1988,7 @@
           <a:p>
             <a:fld id="{1D8BD707-D9CF-40AE-B4C6-C98DA3205C09}" type="datetimeFigureOut">
               <a:rPr lang="en-US" smtClean="0"/>
-              <a:t>10-Sep-24</a:t>
+              <a:t>12-Sep-24</a:t>
             </a:fld>
             <a:endParaRPr lang="en-US"/>
           </a:p>
@@ -2310,7 +2310,7 @@
           <a:p>
             <a:fld id="{1D8BD707-D9CF-40AE-B4C6-C98DA3205C09}" type="datetimeFigureOut">
               <a:rPr lang="en-US" smtClean="0"/>
-              <a:t>10-Sep-24</a:t>
+              <a:t>12-Sep-24</a:t>
             </a:fld>
             <a:endParaRPr lang="en-US"/>
           </a:p>
@@ -2659,7 +2659,7 @@
           <a:p>
             <a:fld id="{1D8BD707-D9CF-40AE-B4C6-C98DA3205C09}" type="datetimeFigureOut">
               <a:rPr lang="en-US" smtClean="0"/>
-              <a:t>10-Sep-24</a:t>
+              <a:t>12-Sep-24</a:t>
             </a:fld>
             <a:endParaRPr lang="en-US"/>
           </a:p>
@@ -2981,7 +2981,7 @@
           <a:p>
             <a:fld id="{1D8BD707-D9CF-40AE-B4C6-C98DA3205C09}" type="datetimeFigureOut">
               <a:rPr lang="en-US" smtClean="0"/>
-              <a:t>10-Sep-24</a:t>
+              <a:t>12-Sep-24</a:t>
             </a:fld>
             <a:endParaRPr lang="en-US"/>
           </a:p>
@@ -3382,7 +3382,7 @@
           <a:p>
             <a:fld id="{1D8BD707-D9CF-40AE-B4C6-C98DA3205C09}" type="datetimeFigureOut">
               <a:rPr lang="en-US" smtClean="0"/>
-              <a:t>10-Sep-24</a:t>
+              <a:t>12-Sep-24</a:t>
             </a:fld>
             <a:endParaRPr lang="en-US"/>
           </a:p>
@@ -3560,7 +3560,7 @@
           <a:p>
             <a:fld id="{1D8BD707-D9CF-40AE-B4C6-C98DA3205C09}" type="datetimeFigureOut">
               <a:rPr lang="en-US" smtClean="0"/>
-              <a:t>10-Sep-24</a:t>
+              <a:t>12-Sep-24</a:t>
             </a:fld>
             <a:endParaRPr lang="en-US"/>
           </a:p>
@@ -3748,7 +3748,7 @@
           <a:p>
             <a:fld id="{1D8BD707-D9CF-40AE-B4C6-C98DA3205C09}" type="datetimeFigureOut">
               <a:rPr lang="en-US" smtClean="0"/>
-              <a:t>10-Sep-24</a:t>
+              <a:t>12-Sep-24</a:t>
             </a:fld>
             <a:endParaRPr lang="en-US"/>
           </a:p>
@@ -3962,7 +3962,7 @@
           <a:p>
             <a:fld id="{1D8BD707-D9CF-40AE-B4C6-C98DA3205C09}" type="datetimeFigureOut">
               <a:rPr lang="en-US"/>
-              <a:t>10-Sep-24</a:t>
+              <a:t>12-Sep-24</a:t>
             </a:fld>
             <a:endParaRPr lang="en-US"/>
           </a:p>
@@ -4137,7 +4137,7 @@
           <a:p>
             <a:fld id="{1D8BD707-D9CF-40AE-B4C6-C98DA3205C09}" type="datetimeFigureOut">
               <a:rPr lang="en-US" smtClean="0"/>
-              <a:t>10-Sep-24</a:t>
+              <a:t>12-Sep-24</a:t>
             </a:fld>
             <a:endParaRPr lang="en-US"/>
           </a:p>
@@ -4392,7 +4392,7 @@
           <a:p>
             <a:fld id="{1D8BD707-D9CF-40AE-B4C6-C98DA3205C09}" type="datetimeFigureOut">
               <a:rPr lang="en-US" smtClean="0"/>
-              <a:t>10-Sep-24</a:t>
+              <a:t>12-Sep-24</a:t>
             </a:fld>
             <a:endParaRPr lang="en-US"/>
           </a:p>
@@ -4632,7 +4632,7 @@
           <a:p>
             <a:fld id="{1D8BD707-D9CF-40AE-B4C6-C98DA3205C09}" type="datetimeFigureOut">
               <a:rPr lang="en-US" smtClean="0"/>
-              <a:t>10-Sep-24</a:t>
+              <a:t>12-Sep-24</a:t>
             </a:fld>
             <a:endParaRPr lang="en-US"/>
           </a:p>
@@ -5014,7 +5014,7 @@
           <a:p>
             <a:fld id="{1D8BD707-D9CF-40AE-B4C6-C98DA3205C09}" type="datetimeFigureOut">
               <a:rPr lang="en-US" smtClean="0"/>
-              <a:t>10-Sep-24</a:t>
+              <a:t>12-Sep-24</a:t>
             </a:fld>
             <a:endParaRPr lang="en-US"/>
           </a:p>
@@ -5145,7 +5145,7 @@
           <a:p>
             <a:fld id="{1D8BD707-D9CF-40AE-B4C6-C98DA3205C09}" type="datetimeFigureOut">
               <a:rPr lang="en-US" smtClean="0"/>
-              <a:t>10-Sep-24</a:t>
+              <a:t>12-Sep-24</a:t>
             </a:fld>
             <a:endParaRPr lang="en-US"/>
           </a:p>
@@ -5248,7 +5248,7 @@
           <a:p>
             <a:fld id="{1D8BD707-D9CF-40AE-B4C6-C98DA3205C09}" type="datetimeFigureOut">
               <a:rPr lang="en-US" smtClean="0"/>
-              <a:t>10-Sep-24</a:t>
+              <a:t>12-Sep-24</a:t>
             </a:fld>
             <a:endParaRPr lang="en-US"/>
           </a:p>
@@ -5511,7 +5511,7 @@
           <a:p>
             <a:fld id="{1D8BD707-D9CF-40AE-B4C6-C98DA3205C09}" type="datetimeFigureOut">
               <a:rPr lang="en-US" smtClean="0"/>
-              <a:t>10-Sep-24</a:t>
+              <a:t>12-Sep-24</a:t>
             </a:fld>
             <a:endParaRPr lang="en-US"/>
           </a:p>
@@ -5782,7 +5782,7 @@
           <a:p>
             <a:fld id="{1D8BD707-D9CF-40AE-B4C6-C98DA3205C09}" type="datetimeFigureOut">
               <a:rPr lang="en-US" smtClean="0"/>
-              <a:t>10-Sep-24</a:t>
+              <a:t>12-Sep-24</a:t>
             </a:fld>
             <a:endParaRPr lang="en-US"/>
           </a:p>
@@ -6533,7 +6533,7 @@
           <a:p>
             <a:fld id="{1D8BD707-D9CF-40AE-B4C6-C98DA3205C09}" type="datetimeFigureOut">
               <a:rPr lang="en-US" smtClean="0"/>
-              <a:t>10-Sep-24</a:t>
+              <a:t>12-Sep-24</a:t>
             </a:fld>
             <a:endParaRPr lang="en-US"/>
           </a:p>
@@ -7458,13 +7458,18 @@
           <a:p>
             <a:r>
               <a:rPr lang="en-US" sz="2400" dirty="0"/>
-              <a:t>STUDENT NAME: VARSHAN V</a:t>
-            </a:r>
+              <a:t>STUDENT NAME</a:t>
+            </a:r>
+            <a:r>
+              <a:rPr lang="en-US" sz="2400"/>
+              <a:t>: VARSHAN V</a:t>
+            </a:r>
+            <a:endParaRPr lang="en-US" sz="2400" dirty="0"/>
           </a:p>
           <a:p>
             <a:r>
               <a:rPr lang="en-US" sz="2400" dirty="0"/>
-              <a:t>REGISTER NO: 31221 &amp; asunm1711312219390</a:t>
+              <a:t>REGISTER NO: 312219390 &amp; asunm1711312219390</a:t>
             </a:r>
           </a:p>
           <a:p>
